--- a/Documentation/Presentations/ECE 4534 Presentation.pptx
+++ b/Documentation/Presentations/ECE 4534 Presentation.pptx
@@ -255,6 +255,7 @@
 <file path=ppt/commentAuthors.xml><?xml version="1.0" encoding="utf-8"?>
 <p:cmAuthorLst xmlns:a="http://schemas.openxmlformats.org/drawingml/2006/main" xmlns:r="http://schemas.openxmlformats.org/officeDocument/2006/relationships" xmlns:mc="http://schemas.openxmlformats.org/markup-compatibility/2006" xmlns:mv="urn:schemas-microsoft-com:mac:vml" xmlns:p="http://schemas.openxmlformats.org/presentationml/2006/main" xmlns:c="http://schemas.openxmlformats.org/drawingml/2006/chart" xmlns:dgm="http://schemas.openxmlformats.org/drawingml/2006/diagram" xmlns:o="urn:schemas-microsoft-com:office:office" xmlns:v="urn:schemas-microsoft-com:vml" xmlns:pvml="urn:schemas-microsoft-com:office:powerpoint" xmlns:com="http://schemas.openxmlformats.org/drawingml/2006/compatibility" xmlns:p14="http://schemas.microsoft.com/office/powerpoint/2010/main">
   <p:cmAuthor id="0" initials="" name="ijanjic" lastIdx="1" clrIdx="0"/>
+  <p:cmAuthor id="1" initials="" name="Brian Hilnbrand" lastIdx="1" clrIdx="1"/>
 </p:cmAuthorLst>
 </file>
 
@@ -263,6 +264,10 @@
   <p:cm idx="1" authorId="0">
     <p:pos y="0" x="6000"/>
     <p:text>PERFECT!</p:text>
+  </p:cm>
+  <p:cm idx="1" authorId="1">
+    <p:pos y="100" x="6000"/>
+    <p:text>#aaawwwyyeeaaahhh</p:text>
   </p:cm>
 </p:cmLst>
 </file>
@@ -2101,7 +2106,7 @@
   <p:cSld>
     <p:spTree>
       <p:nvGrpSpPr>
-        <p:cNvPr id="360" name="Shape 360"/>
+        <p:cNvPr id="361" name="Shape 361"/>
         <p:cNvGrpSpPr/>
         <p:nvPr/>
       </p:nvGrpSpPr>
@@ -2115,7 +2120,7 @@
       </p:grpSpPr>
       <p:sp>
         <p:nvSpPr>
-          <p:cNvPr id="361" name="Shape 361"/>
+          <p:cNvPr id="362" name="Shape 362"/>
           <p:cNvSpPr/>
           <p:nvPr>
             <p:ph idx="2" type="sldImg"/>
@@ -2159,7 +2164,7 @@
       </p:sp>
       <p:sp>
         <p:nvSpPr>
-          <p:cNvPr id="362" name="Shape 362"/>
+          <p:cNvPr id="363" name="Shape 363"/>
           <p:cNvSpPr txBox="1"/>
           <p:nvPr>
             <p:ph idx="1" type="body"/>
@@ -2206,7 +2211,7 @@
   <p:cSld>
     <p:spTree>
       <p:nvGrpSpPr>
-        <p:cNvPr id="367" name="Shape 367"/>
+        <p:cNvPr id="368" name="Shape 368"/>
         <p:cNvGrpSpPr/>
         <p:nvPr/>
       </p:nvGrpSpPr>
@@ -2220,7 +2225,7 @@
       </p:grpSpPr>
       <p:sp>
         <p:nvSpPr>
-          <p:cNvPr id="368" name="Shape 368"/>
+          <p:cNvPr id="369" name="Shape 369"/>
           <p:cNvSpPr/>
           <p:nvPr>
             <p:ph idx="2" type="sldImg"/>
@@ -2264,7 +2269,7 @@
       </p:sp>
       <p:sp>
         <p:nvSpPr>
-          <p:cNvPr id="369" name="Shape 369"/>
+          <p:cNvPr id="370" name="Shape 370"/>
           <p:cNvSpPr txBox="1"/>
           <p:nvPr>
             <p:ph idx="1" type="body"/>
@@ -2311,7 +2316,7 @@
   <p:cSld>
     <p:spTree>
       <p:nvGrpSpPr>
-        <p:cNvPr id="373" name="Shape 373"/>
+        <p:cNvPr id="374" name="Shape 374"/>
         <p:cNvGrpSpPr/>
         <p:nvPr/>
       </p:nvGrpSpPr>
@@ -2325,7 +2330,7 @@
       </p:grpSpPr>
       <p:sp>
         <p:nvSpPr>
-          <p:cNvPr id="374" name="Shape 374"/>
+          <p:cNvPr id="375" name="Shape 375"/>
           <p:cNvSpPr/>
           <p:nvPr>
             <p:ph idx="2" type="sldImg"/>
@@ -2369,7 +2374,7 @@
       </p:sp>
       <p:sp>
         <p:nvSpPr>
-          <p:cNvPr id="375" name="Shape 375"/>
+          <p:cNvPr id="376" name="Shape 376"/>
           <p:cNvSpPr txBox="1"/>
           <p:nvPr>
             <p:ph idx="1" type="body"/>
@@ -2416,7 +2421,7 @@
   <p:cSld>
     <p:spTree>
       <p:nvGrpSpPr>
-        <p:cNvPr id="384" name="Shape 384"/>
+        <p:cNvPr id="385" name="Shape 385"/>
         <p:cNvGrpSpPr/>
         <p:nvPr/>
       </p:nvGrpSpPr>
@@ -2430,7 +2435,7 @@
       </p:grpSpPr>
       <p:sp>
         <p:nvSpPr>
-          <p:cNvPr id="385" name="Shape 385"/>
+          <p:cNvPr id="386" name="Shape 386"/>
           <p:cNvSpPr/>
           <p:nvPr>
             <p:ph idx="2" type="sldImg"/>
@@ -2474,7 +2479,7 @@
       </p:sp>
       <p:sp>
         <p:nvSpPr>
-          <p:cNvPr id="386" name="Shape 386"/>
+          <p:cNvPr id="387" name="Shape 387"/>
           <p:cNvSpPr txBox="1"/>
           <p:nvPr>
             <p:ph idx="1" type="body"/>
@@ -11388,6 +11393,46 @@
           </a:bodyPr>
           <a:lstStyle/>
           <a:p>
+            <a:pPr rtl="0" lvl="0">
+              <a:spcBef>
+                <a:spcPts val="0"/>
+              </a:spcBef>
+              <a:buNone/>
+            </a:pPr>
+            <a:r>
+              <a:rPr lang="en">
+                <a:solidFill>
+                  <a:srgbClr val="0000FF"/>
+                </a:solidFill>
+              </a:rPr>
+              <a:t>Source													</a:t>
+            </a:r>
+            <a:r>
+              <a:rPr lang="en">
+                <a:solidFill>
+                  <a:srgbClr val="FF9900"/>
+                </a:solidFill>
+              </a:rPr>
+              <a:t>Target</a:t>
+            </a:r>
+          </a:p>
+          <a:p>
+            <a:pPr rtl="0" lvl="0">
+              <a:spcBef>
+                <a:spcPts val="0"/>
+              </a:spcBef>
+              <a:buNone/>
+            </a:pPr>
+            <a:r>
+              <a:t/>
+            </a:r>
+            <a:endParaRPr>
+              <a:solidFill>
+                <a:srgbClr val="0000FF"/>
+              </a:solidFill>
+            </a:endParaRPr>
+          </a:p>
+          <a:p>
             <a:pPr rtl="0" lvl="0" indent="-419100" marL="457200">
               <a:spcBef>
                 <a:spcPts val="0"/>
@@ -11494,6 +11539,32 @@
           </a:p>
         </p:txBody>
       </p:sp>
+      <p:cxnSp>
+        <p:nvCxnSpPr>
+          <p:cNvPr id="360" name="Shape 360"/>
+          <p:cNvCxnSpPr/>
+          <p:nvPr/>
+        </p:nvCxnSpPr>
+        <p:spPr>
+          <a:xfrm>
+            <a:off y="1593975" x="2021625"/>
+            <a:ext cy="0" cx="5123999"/>
+          </a:xfrm>
+          <a:prstGeom prst="straightConnector1">
+            <a:avLst/>
+          </a:prstGeom>
+          <a:noFill/>
+          <a:ln w="19050" cap="flat">
+            <a:solidFill>
+              <a:srgbClr val="000000"/>
+            </a:solidFill>
+            <a:prstDash val="solid"/>
+            <a:round/>
+            <a:headEnd w="lg" len="lg" type="none"/>
+            <a:tailEnd w="lg" len="lg" type="triangle"/>
+          </a:ln>
+        </p:spPr>
+      </p:cxnSp>
     </p:spTree>
   </p:cSld>
   <p:clrMapOvr>
@@ -11510,7 +11581,7 @@
   <p:cSld>
     <p:spTree>
       <p:nvGrpSpPr>
-        <p:cNvPr id="363" name="Shape 363"/>
+        <p:cNvPr id="364" name="Shape 364"/>
         <p:cNvGrpSpPr/>
         <p:nvPr/>
       </p:nvGrpSpPr>
@@ -11524,7 +11595,7 @@
       </p:grpSpPr>
       <p:sp>
         <p:nvSpPr>
-          <p:cNvPr id="364" name="Shape 364"/>
+          <p:cNvPr id="365" name="Shape 365"/>
           <p:cNvSpPr txBox="1"/>
           <p:nvPr>
             <p:ph type="title"/>
@@ -11572,7 +11643,7 @@
       </p:sp>
       <p:graphicFrame>
         <p:nvGraphicFramePr>
-          <p:cNvPr id="365" name="Shape 365"/>
+          <p:cNvPr id="366" name="Shape 366"/>
           <p:cNvGraphicFramePr/>
           <p:nvPr/>
         </p:nvGraphicFramePr>
@@ -11585,7 +11656,7 @@
             <a:tbl>
               <a:tblPr>
                 <a:noFill/>
-                <a:tableStyleId>{74BFBE22-D1C4-41F4-AADA-5A02C950E8A5}</a:tableStyleId>
+                <a:tableStyleId>{5A529C48-C516-4B3A-BD88-72774BADF969}</a:tableStyleId>
               </a:tblPr>
               <a:tblGrid>
                 <a:gridCol w="3646950"/>
@@ -11957,7 +12028,7 @@
       </p:graphicFrame>
       <p:graphicFrame>
         <p:nvGraphicFramePr>
-          <p:cNvPr id="366" name="Shape 366"/>
+          <p:cNvPr id="367" name="Shape 367"/>
           <p:cNvGraphicFramePr/>
           <p:nvPr/>
         </p:nvGraphicFramePr>
@@ -11970,7 +12041,7 @@
             <a:tbl>
               <a:tblPr>
                 <a:noFill/>
-                <a:tableStyleId>{E14A4DC9-3796-4A03-A8DF-F026A62A4F87}</a:tableStyleId>
+                <a:tableStyleId>{AE39A6F5-A0A0-4195-B402-36C31ACA943B}</a:tableStyleId>
               </a:tblPr>
               <a:tblGrid>
                 <a:gridCol w="3646950"/>
@@ -12340,7 +12411,7 @@
   <p:cSld>
     <p:spTree>
       <p:nvGrpSpPr>
-        <p:cNvPr id="370" name="Shape 370"/>
+        <p:cNvPr id="371" name="Shape 371"/>
         <p:cNvGrpSpPr/>
         <p:nvPr/>
       </p:nvGrpSpPr>
@@ -12354,7 +12425,7 @@
       </p:grpSpPr>
       <p:sp>
         <p:nvSpPr>
-          <p:cNvPr id="371" name="Shape 371"/>
+          <p:cNvPr id="372" name="Shape 372"/>
           <p:cNvSpPr txBox="1"/>
           <p:nvPr>
             <p:ph type="title"/>
@@ -12402,7 +12473,7 @@
       </p:sp>
       <p:pic>
         <p:nvPicPr>
-          <p:cNvPr id="372" name="Shape 372"/>
+          <p:cNvPr id="373" name="Shape 373"/>
           <p:cNvPicPr preferRelativeResize="0"/>
           <p:nvPr/>
         </p:nvPicPr>
@@ -12416,8 +12487,8 @@
         </p:blipFill>
         <p:spPr>
           <a:xfrm>
-            <a:off y="1346632" x="2427087"/>
-            <a:ext cy="3584674" cx="4289824"/>
+            <a:off y="1272075" x="953275"/>
+            <a:ext cy="3719800" cx="6353175"/>
           </a:xfrm>
           <a:prstGeom prst="rect">
             <a:avLst/>
@@ -12444,7 +12515,7 @@
   <p:cSld>
     <p:spTree>
       <p:nvGrpSpPr>
-        <p:cNvPr id="376" name="Shape 376"/>
+        <p:cNvPr id="377" name="Shape 377"/>
         <p:cNvGrpSpPr/>
         <p:nvPr/>
       </p:nvGrpSpPr>
@@ -12458,7 +12529,7 @@
       </p:grpSpPr>
       <p:sp>
         <p:nvSpPr>
-          <p:cNvPr id="377" name="Shape 377"/>
+          <p:cNvPr id="378" name="Shape 378"/>
           <p:cNvSpPr txBox="1"/>
           <p:nvPr>
             <p:ph type="title"/>
@@ -12506,7 +12577,7 @@
       </p:sp>
       <p:pic>
         <p:nvPicPr>
-          <p:cNvPr id="378" name="Shape 378"/>
+          <p:cNvPr id="379" name="Shape 379"/>
           <p:cNvPicPr preferRelativeResize="0"/>
           <p:nvPr/>
         </p:nvPicPr>
@@ -12534,7 +12605,7 @@
       </p:pic>
       <p:sp>
         <p:nvSpPr>
-          <p:cNvPr id="379" name="Shape 379"/>
+          <p:cNvPr id="380" name="Shape 380"/>
           <p:cNvSpPr txBox="1"/>
           <p:nvPr/>
         </p:nvSpPr>
@@ -12572,7 +12643,7 @@
       </p:sp>
       <p:sp>
         <p:nvSpPr>
-          <p:cNvPr id="380" name="Shape 380"/>
+          <p:cNvPr id="381" name="Shape 381"/>
           <p:cNvSpPr txBox="1"/>
           <p:nvPr/>
         </p:nvSpPr>
@@ -12622,7 +12693,7 @@
       </p:sp>
       <p:cxnSp>
         <p:nvCxnSpPr>
-          <p:cNvPr id="381" name="Shape 381"/>
+          <p:cNvPr id="382" name="Shape 382"/>
           <p:cNvCxnSpPr/>
           <p:nvPr/>
         </p:nvCxnSpPr>
@@ -12648,7 +12719,7 @@
       </p:cxnSp>
       <p:cxnSp>
         <p:nvCxnSpPr>
-          <p:cNvPr id="382" name="Shape 382"/>
+          <p:cNvPr id="383" name="Shape 383"/>
           <p:cNvCxnSpPr/>
           <p:nvPr/>
         </p:nvCxnSpPr>
@@ -12674,7 +12745,7 @@
       </p:cxnSp>
       <p:sp>
         <p:nvSpPr>
-          <p:cNvPr id="383" name="Shape 383"/>
+          <p:cNvPr id="384" name="Shape 384"/>
           <p:cNvSpPr txBox="1"/>
           <p:nvPr/>
         </p:nvSpPr>
@@ -14419,7 +14490,7 @@
           <a:p>
             <a:pPr rtl="0" lvl="1" indent="-342900" marL="914400">
               <a:lnSpc>
-                <a:spcPct val="115000"/>
+                <a:spcPct val="150000"/>
               </a:lnSpc>
               <a:spcBef>
                 <a:spcPts val="0"/>
@@ -14502,6 +14573,46 @@
             <a:r>
               <a:rPr sz="1800" lang="en"/>
               <a:t>C interface </a:t>
+            </a:r>
+          </a:p>
+          <a:p>
+            <a:pPr rtl="0" lvl="1" indent="-342900" marL="914400">
+              <a:lnSpc>
+                <a:spcPct val="115000"/>
+              </a:lnSpc>
+              <a:spcBef>
+                <a:spcPts val="0"/>
+              </a:spcBef>
+              <a:buClr>
+                <a:schemeClr val="dk1"/>
+              </a:buClr>
+              <a:buSzPct val="100000"/>
+              <a:buFont typeface="Arial"/>
+              <a:buChar char="○"/>
+            </a:pPr>
+            <a:r>
+              <a:rPr sz="1800" lang="en"/>
+              <a:t>Operating speed: Anywhere from 0 kHz - 400 kHz</a:t>
+            </a:r>
+          </a:p>
+          <a:p>
+            <a:pPr rtl="0" lvl="1" indent="-342900" marL="914400">
+              <a:lnSpc>
+                <a:spcPct val="115000"/>
+              </a:lnSpc>
+              <a:spcBef>
+                <a:spcPts val="0"/>
+              </a:spcBef>
+              <a:buClr>
+                <a:schemeClr val="dk1"/>
+              </a:buClr>
+              <a:buSzPct val="100000"/>
+              <a:buFont typeface="Arial"/>
+              <a:buChar char="○"/>
+            </a:pPr>
+            <a:r>
+              <a:rPr sz="1800" lang="en"/>
+              <a:t>16-bit data output</a:t>
             </a:r>
           </a:p>
           <a:p>
@@ -14778,7 +14889,7 @@
             </a:pPr>
             <a:r>
               <a:rPr sz="2400" lang="en"/>
-              <a:t>Two sensors on each side of the rover for:</a:t>
+              <a:t>Two IR sensors on each side of the rover for:</a:t>
             </a:r>
           </a:p>
           <a:p>
@@ -14861,7 +14972,48 @@
             </a:pPr>
             <a:r>
               <a:rPr sz="2400" lang="en"/>
-              <a:t>Two additional sensors on front side (center) spaced vertically for ramp detection</a:t>
+              <a:t>Two additional IR sensors on front side (center) spaced vertically for ramp detection</a:t>
+            </a:r>
+          </a:p>
+          <a:p>
+            <a:pPr algn="l" rtl="0" lvl="0" marR="0">
+              <a:lnSpc>
+                <a:spcPct val="100000"/>
+              </a:lnSpc>
+              <a:spcBef>
+                <a:spcPts val="600"/>
+              </a:spcBef>
+              <a:spcAft>
+                <a:spcPts val="0"/>
+              </a:spcAft>
+              <a:buNone/>
+            </a:pPr>
+            <a:r>
+              <a:t/>
+            </a:r>
+            <a:endParaRPr sz="600"/>
+          </a:p>
+          <a:p>
+            <a:pPr algn="l" rtl="0" lvl="0" marR="0" indent="-381000" marL="457200">
+              <a:lnSpc>
+                <a:spcPct val="100000"/>
+              </a:lnSpc>
+              <a:spcBef>
+                <a:spcPts val="600"/>
+              </a:spcBef>
+              <a:spcAft>
+                <a:spcPts val="0"/>
+              </a:spcAft>
+              <a:buClr>
+                <a:schemeClr val="dk1"/>
+              </a:buClr>
+              <a:buSzPct val="100000"/>
+              <a:buFont typeface="Arial"/>
+              <a:buChar char="●"/>
+            </a:pPr>
+            <a:r>
+              <a:rPr sz="2400" lang="en"/>
+              <a:t>One accelerometer on rover to detect rover tilt (flat surface or on ramp)</a:t>
             </a:r>
           </a:p>
           <a:p>
@@ -14965,7 +15117,7 @@
           </a:bodyPr>
           <a:lstStyle/>
           <a:p>
-            <a:pPr rtl="0" lvl="0" indent="-381000" marL="457200">
+            <a:pPr rtl="0" lvl="0" indent="-342900" marL="457200">
               <a:lnSpc>
                 <a:spcPct val="100000"/>
               </a:lnSpc>
@@ -14980,12 +15132,8 @@
               <a:buChar char="●"/>
             </a:pPr>
             <a:r>
-              <a:rPr sz="2400" lang="en"/>
-              <a:t>Sensors hard wired to analog inputs of Sensor PIC </a:t>
-            </a:r>
-            <a:r>
-              <a:rPr sz="2000" lang="en"/>
-              <a:t>(PIC18F45J10)</a:t>
+              <a:rPr sz="1800" lang="en"/>
+              <a:t>IR Sensors hard wired to analog inputs of Sensor PIC (PIC18F45J10)</a:t>
             </a:r>
           </a:p>
           <a:p>
@@ -15004,9 +15152,9 @@
             <a:endParaRPr sz="600"/>
           </a:p>
           <a:p>
-            <a:pPr rtl="0" lvl="0" indent="-381000" marL="457200">
+            <a:pPr rtl="0" lvl="0" indent="-342900" marL="457200">
               <a:lnSpc>
-                <a:spcPct val="150000"/>
+                <a:spcPct val="100000"/>
               </a:lnSpc>
               <a:spcBef>
                 <a:spcPts val="0"/>
@@ -15019,12 +15167,30 @@
               <a:buChar char="●"/>
             </a:pPr>
             <a:r>
-              <a:rPr sz="2400" lang="en"/>
-              <a:t>Analog data converted using Sensor PIC A/D module</a:t>
-            </a:r>
-          </a:p>
-          <a:p>
-            <a:pPr rtl="0" lvl="0" indent="-381000" marL="457200">
+              <a:rPr sz="1800" lang="en"/>
+              <a:t>Analog data from IR sensors converted using Sensor PIC A/D module</a:t>
+            </a:r>
+          </a:p>
+          <a:p>
+            <a:pPr rtl="0" lvl="0">
+              <a:lnSpc>
+                <a:spcPct val="100000"/>
+              </a:lnSpc>
+              <a:spcBef>
+                <a:spcPts val="0"/>
+              </a:spcBef>
+              <a:buNone/>
+            </a:pPr>
+            <a:r>
+              <a:t/>
+            </a:r>
+            <a:endParaRPr sz="600"/>
+          </a:p>
+          <a:p>
+            <a:pPr rtl="0" lvl="0" indent="-342900" marL="457200">
+              <a:lnSpc>
+                <a:spcPct val="150000"/>
+              </a:lnSpc>
               <a:spcBef>
                 <a:spcPts val="0"/>
               </a:spcBef>
@@ -15036,39 +15202,20 @@
               <a:buChar char="●"/>
             </a:pPr>
             <a:r>
-              <a:rPr sz="2400" lang="en"/>
-              <a:t>Requests for data received via I</a:t>
-            </a:r>
-            <a:r>
-              <a:rPr baseline="30000" sz="2400" lang="en"/>
+              <a:rPr sz="1800" lang="en"/>
+              <a:t>Accelerometer connected via train bus to I</a:t>
+            </a:r>
+            <a:r>
+              <a:rPr baseline="30000" sz="1800" lang="en"/>
               <a:t>2</a:t>
             </a:r>
             <a:r>
-              <a:rPr sz="2400" lang="en"/>
-              <a:t>C from Rover Master PIC </a:t>
-            </a:r>
-            <a:r>
-              <a:rPr sz="2000" lang="en"/>
-              <a:t>(PIC18F46J50)</a:t>
-            </a:r>
-          </a:p>
-          <a:p>
-            <a:pPr rtl="0" lvl="0">
-              <a:spcBef>
-                <a:spcPts val="0"/>
-              </a:spcBef>
-              <a:buNone/>
-            </a:pPr>
-            <a:r>
-              <a:t/>
-            </a:r>
-            <a:endParaRPr sz="600"/>
-          </a:p>
-          <a:p>
-            <a:pPr rtl="0" lvl="0" indent="-381000" marL="457200">
-              <a:lnSpc>
-                <a:spcPct val="150000"/>
-              </a:lnSpc>
+              <a:rPr sz="1800" lang="en"/>
+              <a:t>C2</a:t>
+            </a:r>
+          </a:p>
+          <a:p>
+            <a:pPr rtl="0" lvl="0" indent="-342900" marL="457200">
               <a:spcBef>
                 <a:spcPts val="0"/>
               </a:spcBef>
@@ -15080,20 +15227,35 @@
               <a:buChar char="●"/>
             </a:pPr>
             <a:r>
-              <a:rPr sz="2400" lang="en"/>
-              <a:t>10-bit digital result sent to Rover Master PIC via I</a:t>
-            </a:r>
-            <a:r>
-              <a:rPr baseline="30000" sz="2400" lang="en"/>
+              <a:rPr sz="1800" lang="en"/>
+              <a:t>Requests for data received via I</a:t>
+            </a:r>
+            <a:r>
+              <a:rPr baseline="30000" sz="1800" lang="en"/>
               <a:t>2</a:t>
             </a:r>
             <a:r>
-              <a:rPr sz="2400" lang="en"/>
-              <a:t>C</a:t>
-            </a:r>
-          </a:p>
-          <a:p>
-            <a:pPr lvl="0" indent="-381000" marL="457200">
+              <a:rPr sz="1800" lang="en"/>
+              <a:t>C from Rover Master PIC (PIC18F46J50)</a:t>
+            </a:r>
+          </a:p>
+          <a:p>
+            <a:pPr rtl="0" lvl="0">
+              <a:spcBef>
+                <a:spcPts val="0"/>
+              </a:spcBef>
+              <a:buNone/>
+            </a:pPr>
+            <a:r>
+              <a:t/>
+            </a:r>
+            <a:endParaRPr sz="600"/>
+          </a:p>
+          <a:p>
+            <a:pPr rtl="0" lvl="0" indent="-342900" marL="457200">
+              <a:lnSpc>
+                <a:spcPct val="150000"/>
+              </a:lnSpc>
               <a:spcBef>
                 <a:spcPts val="0"/>
               </a:spcBef>
@@ -15105,23 +15267,40 @@
               <a:buChar char="●"/>
             </a:pPr>
             <a:r>
-              <a:rPr sz="2400" lang="en"/>
-              <a:t>Data relayed to ARM PIC </a:t>
-            </a:r>
-            <a:r>
-              <a:rPr sz="2000" lang="en"/>
-              <a:t>(PIC18F46J50)</a:t>
-            </a:r>
-            <a:r>
-              <a:rPr sz="2400" lang="en"/>
-              <a:t> via WiFly and sent to ARM Board via I</a:t>
-            </a:r>
-            <a:r>
-              <a:rPr baseline="30000" sz="2400" lang="en"/>
+              <a:rPr sz="1800" lang="en"/>
+              <a:t>10-bit digital results from IR sensors and 16-bit results from accelerometer sent to Rover Master PIC via I</a:t>
+            </a:r>
+            <a:r>
+              <a:rPr baseline="30000" sz="1800" lang="en"/>
               <a:t>2</a:t>
             </a:r>
             <a:r>
-              <a:rPr sz="2400" lang="en"/>
+              <a:rPr sz="1800" lang="en"/>
+              <a:t>C</a:t>
+            </a:r>
+          </a:p>
+          <a:p>
+            <a:pPr lvl="0" indent="-342900" marL="457200">
+              <a:spcBef>
+                <a:spcPts val="0"/>
+              </a:spcBef>
+              <a:buClr>
+                <a:schemeClr val="dk1"/>
+              </a:buClr>
+              <a:buSzPct val="100000"/>
+              <a:buFont typeface="Arial"/>
+              <a:buChar char="●"/>
+            </a:pPr>
+            <a:r>
+              <a:rPr sz="1800" lang="en"/>
+              <a:t>Data relayed to ARM PIC (PIC18F46J50) via WiFly and sent to ARM Board via I</a:t>
+            </a:r>
+            <a:r>
+              <a:rPr baseline="30000" sz="1800" lang="en"/>
+              <a:t>2</a:t>
+            </a:r>
+            <a:r>
+              <a:rPr sz="1800" lang="en"/>
               <a:t>C</a:t>
             </a:r>
           </a:p>
@@ -18941,283 +19120,6 @@
 </file>
 
 <file path=ppt/theme/theme2.xml><?xml version="1.0" encoding="utf-8"?>
-<a:theme xmlns:a="http://schemas.openxmlformats.org/drawingml/2006/main" xmlns:r="http://schemas.openxmlformats.org/officeDocument/2006/relationships" name="biz">
-  <a:themeElements>
-    <a:clrScheme name="Custom 233">
-      <a:dk1>
-        <a:srgbClr val="000000"/>
-      </a:dk1>
-      <a:lt1>
-        <a:srgbClr val="FFFFFF"/>
-      </a:lt1>
-      <a:dk2>
-        <a:srgbClr val="2388DB"/>
-      </a:dk2>
-      <a:lt2>
-        <a:srgbClr val="BBD7F8"/>
-      </a:lt2>
-      <a:accent1>
-        <a:srgbClr val="80B606"/>
-      </a:accent1>
-      <a:accent2>
-        <a:srgbClr val="E29F1D"/>
-      </a:accent2>
-      <a:accent3>
-        <a:srgbClr val="1D6FB2"/>
-      </a:accent3>
-      <a:accent4>
-        <a:srgbClr val="3FAC98"/>
-      </a:accent4>
-      <a:accent5>
-        <a:srgbClr val="5B57BB"/>
-      </a:accent5>
-      <a:accent6>
-        <a:srgbClr val="D1505E"/>
-      </a:accent6>
-      <a:hlink>
-        <a:srgbClr val="185DA2"/>
-      </a:hlink>
-      <a:folHlink>
-        <a:srgbClr val="00487B"/>
-      </a:folHlink>
-    </a:clrScheme>
-    <a:fontScheme name="Office">
-      <a:majorFont>
-        <a:latin typeface="Arial"/>
-        <a:ea typeface=""/>
-        <a:cs typeface=""/>
-        <a:font typeface="ＭＳ Ｐゴシック" script="Jpan"/>
-        <a:font typeface="맑은 고딕" script="Hang"/>
-        <a:font typeface="宋体" script="Hans"/>
-        <a:font typeface="新細明體" script="Hant"/>
-        <a:font typeface="Times New Roman" script="Arab"/>
-        <a:font typeface="Times New Roman" script="Hebr"/>
-        <a:font typeface="Angsana New" script="Thai"/>
-        <a:font typeface="Nyala" script="Ethi"/>
-        <a:font typeface="Vrinda" script="Beng"/>
-        <a:font typeface="Shruti" script="Gujr"/>
-        <a:font typeface="MoolBoran" script="Khmr"/>
-        <a:font typeface="Tunga" script="Knda"/>
-        <a:font typeface="Raavi" script="Guru"/>
-        <a:font typeface="Euphemia" script="Cans"/>
-        <a:font typeface="Plantagenet Cherokee" script="Cher"/>
-        <a:font typeface="Microsoft Yi Baiti" script="Yiii"/>
-        <a:font typeface="Microsoft Himalaya" script="Tibt"/>
-        <a:font typeface="MV Boli" script="Thaa"/>
-        <a:font typeface="Mangal" script="Deva"/>
-        <a:font typeface="Gautami" script="Telu"/>
-        <a:font typeface="Latha" script="Taml"/>
-        <a:font typeface="Estrangelo Edessa" script="Syrc"/>
-        <a:font typeface="Kalinga" script="Orya"/>
-        <a:font typeface="Kartika" script="Mlym"/>
-        <a:font typeface="DokChampa" script="Laoo"/>
-        <a:font typeface="Iskoola Pota" script="Sinh"/>
-        <a:font typeface="Mongolian Baiti" script="Mong"/>
-        <a:font typeface="Times New Roman" script="Viet"/>
-        <a:font typeface="Microsoft Uighur" script="Uigh"/>
-      </a:majorFont>
-      <a:minorFont>
-        <a:latin typeface="Arial"/>
-        <a:ea typeface=""/>
-        <a:cs typeface=""/>
-        <a:font typeface="ＭＳ Ｐゴシック" script="Jpan"/>
-        <a:font typeface="맑은 고딕" script="Hang"/>
-        <a:font typeface="宋体" script="Hans"/>
-        <a:font typeface="新細明體" script="Hant"/>
-        <a:font typeface="Times New Roman" script="Arab"/>
-        <a:font typeface="Times New Roman" script="Hebr"/>
-        <a:font typeface="Angsana New" script="Thai"/>
-        <a:font typeface="Nyala" script="Ethi"/>
-        <a:font typeface="Vrinda" script="Beng"/>
-        <a:font typeface="Shruti" script="Gujr"/>
-        <a:font typeface="MoolBoran" script="Khmr"/>
-        <a:font typeface="Tunga" script="Knda"/>
-        <a:font typeface="Raavi" script="Guru"/>
-        <a:font typeface="Euphemia" script="Cans"/>
-        <a:font typeface="Plantagenet Cherokee" script="Cher"/>
-        <a:font typeface="Microsoft Yi Baiti" script="Yiii"/>
-        <a:font typeface="Microsoft Himalaya" script="Tibt"/>
-        <a:font typeface="MV Boli" script="Thaa"/>
-        <a:font typeface="Mangal" script="Deva"/>
-        <a:font typeface="Gautami" script="Telu"/>
-        <a:font typeface="Latha" script="Taml"/>
-        <a:font typeface="Estrangelo Edessa" script="Syrc"/>
-        <a:font typeface="Kalinga" script="Orya"/>
-        <a:font typeface="Kartika" script="Mlym"/>
-        <a:font typeface="DokChampa" script="Laoo"/>
-        <a:font typeface="Iskoola Pota" script="Sinh"/>
-        <a:font typeface="Mongolian Baiti" script="Mong"/>
-        <a:font typeface="Times New Roman" script="Viet"/>
-        <a:font typeface="Microsoft Uighur" script="Uigh"/>
-      </a:minorFont>
-    </a:fontScheme>
-    <a:fmtScheme name="Office">
-      <a:fillStyleLst>
-        <a:solidFill>
-          <a:schemeClr val="phClr"/>
-        </a:solidFill>
-        <a:gradFill rotWithShape="1">
-          <a:gsLst>
-            <a:gs pos="0">
-              <a:schemeClr val="phClr">
-                <a:tint val="50000"/>
-                <a:satMod val="300000"/>
-              </a:schemeClr>
-            </a:gs>
-            <a:gs pos="35000">
-              <a:schemeClr val="phClr">
-                <a:tint val="37000"/>
-                <a:satMod val="300000"/>
-              </a:schemeClr>
-            </a:gs>
-            <a:gs pos="100000">
-              <a:schemeClr val="phClr">
-                <a:tint val="15000"/>
-                <a:satMod val="350000"/>
-              </a:schemeClr>
-            </a:gs>
-          </a:gsLst>
-          <a:lin ang="16200000" scaled="1"/>
-        </a:gradFill>
-        <a:gradFill rotWithShape="1">
-          <a:gsLst>
-            <a:gs pos="0">
-              <a:schemeClr val="phClr">
-                <a:tint val="100000"/>
-                <a:shade val="100000"/>
-                <a:satMod val="130000"/>
-              </a:schemeClr>
-            </a:gs>
-            <a:gs pos="100000">
-              <a:schemeClr val="phClr">
-                <a:tint val="50000"/>
-                <a:shade val="100000"/>
-                <a:satMod val="350000"/>
-              </a:schemeClr>
-            </a:gs>
-          </a:gsLst>
-          <a:lin ang="16200000" scaled="0"/>
-        </a:gradFill>
-      </a:fillStyleLst>
-      <a:lnStyleLst>
-        <a:ln w="9525" algn="ctr" cap="flat" cmpd="sng">
-          <a:solidFill>
-            <a:schemeClr val="phClr">
-              <a:shade val="95000"/>
-              <a:satMod val="105000"/>
-            </a:schemeClr>
-          </a:solidFill>
-          <a:prstDash val="solid"/>
-        </a:ln>
-        <a:ln w="25400" algn="ctr" cap="flat" cmpd="sng">
-          <a:solidFill>
-            <a:schemeClr val="phClr"/>
-          </a:solidFill>
-          <a:prstDash val="solid"/>
-        </a:ln>
-        <a:ln w="38100" algn="ctr" cap="flat" cmpd="sng">
-          <a:solidFill>
-            <a:schemeClr val="phClr"/>
-          </a:solidFill>
-          <a:prstDash val="solid"/>
-        </a:ln>
-      </a:lnStyleLst>
-      <a:effectStyleLst>
-        <a:effectStyle>
-          <a:effectLst>
-            <a:outerShdw rotWithShape="0" dir="5400000" blurRad="40000" dist="20000">
-              <a:srgbClr val="000000">
-                <a:alpha val="38000"/>
-              </a:srgbClr>
-            </a:outerShdw>
-          </a:effectLst>
-        </a:effectStyle>
-        <a:effectStyle>
-          <a:effectLst>
-            <a:outerShdw rotWithShape="0" dir="5400000" blurRad="40000" dist="23000">
-              <a:srgbClr val="000000">
-                <a:alpha val="35000"/>
-              </a:srgbClr>
-            </a:outerShdw>
-          </a:effectLst>
-        </a:effectStyle>
-        <a:effectStyle>
-          <a:effectLst>
-            <a:outerShdw rotWithShape="0" dir="5400000" blurRad="40000" dist="23000">
-              <a:srgbClr val="000000">
-                <a:alpha val="35000"/>
-              </a:srgbClr>
-            </a:outerShdw>
-          </a:effectLst>
-          <a:scene3d>
-            <a:camera prst="orthographicFront">
-              <a:rot rev="0" lon="0" lat="0"/>
-            </a:camera>
-            <a:lightRig dir="t" rig="threePt">
-              <a:rot rev="1200000" lon="0" lat="0"/>
-            </a:lightRig>
-          </a:scene3d>
-          <a:sp3d>
-            <a:bevelT w="63500" h="25400"/>
-          </a:sp3d>
-        </a:effectStyle>
-      </a:effectStyleLst>
-      <a:bgFillStyleLst>
-        <a:solidFill>
-          <a:schemeClr val="phClr"/>
-        </a:solidFill>
-        <a:gradFill rotWithShape="1">
-          <a:gsLst>
-            <a:gs pos="0">
-              <a:schemeClr val="phClr">
-                <a:tint val="40000"/>
-                <a:satMod val="350000"/>
-              </a:schemeClr>
-            </a:gs>
-            <a:gs pos="40000">
-              <a:schemeClr val="phClr">
-                <a:tint val="45000"/>
-                <a:shade val="99000"/>
-                <a:satMod val="350000"/>
-              </a:schemeClr>
-            </a:gs>
-            <a:gs pos="100000">
-              <a:schemeClr val="phClr">
-                <a:shade val="20000"/>
-                <a:satMod val="255000"/>
-              </a:schemeClr>
-            </a:gs>
-          </a:gsLst>
-          <a:path path="circle">
-            <a:fillToRect t="-80000" b="180000" r="50000" l="50000"/>
-          </a:path>
-        </a:gradFill>
-        <a:gradFill rotWithShape="1">
-          <a:gsLst>
-            <a:gs pos="0">
-              <a:schemeClr val="phClr">
-                <a:tint val="80000"/>
-                <a:satMod val="300000"/>
-              </a:schemeClr>
-            </a:gs>
-            <a:gs pos="100000">
-              <a:schemeClr val="phClr">
-                <a:shade val="30000"/>
-                <a:satMod val="200000"/>
-              </a:schemeClr>
-            </a:gs>
-          </a:gsLst>
-          <a:path path="circle">
-            <a:fillToRect t="50000" b="50000" r="50000" l="50000"/>
-          </a:path>
-        </a:gradFill>
-      </a:bgFillStyleLst>
-    </a:fmtScheme>
-  </a:themeElements>
-</a:theme>
-</file>
-
-<file path=ppt/theme/theme3.xml><?xml version="1.0" encoding="utf-8"?>
 <a:theme xmlns:a="http://schemas.openxmlformats.org/drawingml/2006/main" xmlns:r="http://schemas.openxmlformats.org/officeDocument/2006/relationships" name="Office Theme">
   <a:themeElements>
     <a:clrScheme name="Office">
@@ -19532,4 +19434,281 @@
     </a:lnDef>
   </a:objectDefaults>
 </a:theme>
+</file>
+
+<file path=ppt/theme/theme3.xml><?xml version="1.0" encoding="utf-8"?>
+<a:theme xmlns:a="http://schemas.openxmlformats.org/drawingml/2006/main" xmlns:r="http://schemas.openxmlformats.org/officeDocument/2006/relationships" name="biz">
+  <a:themeElements>
+    <a:clrScheme name="Custom 233">
+      <a:dk1>
+        <a:srgbClr val="000000"/>
+      </a:dk1>
+      <a:lt1>
+        <a:srgbClr val="FFFFFF"/>
+      </a:lt1>
+      <a:dk2>
+        <a:srgbClr val="2388DB"/>
+      </a:dk2>
+      <a:lt2>
+        <a:srgbClr val="BBD7F8"/>
+      </a:lt2>
+      <a:accent1>
+        <a:srgbClr val="80B606"/>
+      </a:accent1>
+      <a:accent2>
+        <a:srgbClr val="E29F1D"/>
+      </a:accent2>
+      <a:accent3>
+        <a:srgbClr val="1D6FB2"/>
+      </a:accent3>
+      <a:accent4>
+        <a:srgbClr val="3FAC98"/>
+      </a:accent4>
+      <a:accent5>
+        <a:srgbClr val="5B57BB"/>
+      </a:accent5>
+      <a:accent6>
+        <a:srgbClr val="D1505E"/>
+      </a:accent6>
+      <a:hlink>
+        <a:srgbClr val="185DA2"/>
+      </a:hlink>
+      <a:folHlink>
+        <a:srgbClr val="00487B"/>
+      </a:folHlink>
+    </a:clrScheme>
+    <a:fontScheme name="Office">
+      <a:majorFont>
+        <a:latin typeface="Arial"/>
+        <a:ea typeface=""/>
+        <a:cs typeface=""/>
+        <a:font typeface="ＭＳ Ｐゴシック" script="Jpan"/>
+        <a:font typeface="맑은 고딕" script="Hang"/>
+        <a:font typeface="宋体" script="Hans"/>
+        <a:font typeface="新細明體" script="Hant"/>
+        <a:font typeface="Times New Roman" script="Arab"/>
+        <a:font typeface="Times New Roman" script="Hebr"/>
+        <a:font typeface="Angsana New" script="Thai"/>
+        <a:font typeface="Nyala" script="Ethi"/>
+        <a:font typeface="Vrinda" script="Beng"/>
+        <a:font typeface="Shruti" script="Gujr"/>
+        <a:font typeface="MoolBoran" script="Khmr"/>
+        <a:font typeface="Tunga" script="Knda"/>
+        <a:font typeface="Raavi" script="Guru"/>
+        <a:font typeface="Euphemia" script="Cans"/>
+        <a:font typeface="Plantagenet Cherokee" script="Cher"/>
+        <a:font typeface="Microsoft Yi Baiti" script="Yiii"/>
+        <a:font typeface="Microsoft Himalaya" script="Tibt"/>
+        <a:font typeface="MV Boli" script="Thaa"/>
+        <a:font typeface="Mangal" script="Deva"/>
+        <a:font typeface="Gautami" script="Telu"/>
+        <a:font typeface="Latha" script="Taml"/>
+        <a:font typeface="Estrangelo Edessa" script="Syrc"/>
+        <a:font typeface="Kalinga" script="Orya"/>
+        <a:font typeface="Kartika" script="Mlym"/>
+        <a:font typeface="DokChampa" script="Laoo"/>
+        <a:font typeface="Iskoola Pota" script="Sinh"/>
+        <a:font typeface="Mongolian Baiti" script="Mong"/>
+        <a:font typeface="Times New Roman" script="Viet"/>
+        <a:font typeface="Microsoft Uighur" script="Uigh"/>
+      </a:majorFont>
+      <a:minorFont>
+        <a:latin typeface="Arial"/>
+        <a:ea typeface=""/>
+        <a:cs typeface=""/>
+        <a:font typeface="ＭＳ Ｐゴシック" script="Jpan"/>
+        <a:font typeface="맑은 고딕" script="Hang"/>
+        <a:font typeface="宋体" script="Hans"/>
+        <a:font typeface="新細明體" script="Hant"/>
+        <a:font typeface="Times New Roman" script="Arab"/>
+        <a:font typeface="Times New Roman" script="Hebr"/>
+        <a:font typeface="Angsana New" script="Thai"/>
+        <a:font typeface="Nyala" script="Ethi"/>
+        <a:font typeface="Vrinda" script="Beng"/>
+        <a:font typeface="Shruti" script="Gujr"/>
+        <a:font typeface="MoolBoran" script="Khmr"/>
+        <a:font typeface="Tunga" script="Knda"/>
+        <a:font typeface="Raavi" script="Guru"/>
+        <a:font typeface="Euphemia" script="Cans"/>
+        <a:font typeface="Plantagenet Cherokee" script="Cher"/>
+        <a:font typeface="Microsoft Yi Baiti" script="Yiii"/>
+        <a:font typeface="Microsoft Himalaya" script="Tibt"/>
+        <a:font typeface="MV Boli" script="Thaa"/>
+        <a:font typeface="Mangal" script="Deva"/>
+        <a:font typeface="Gautami" script="Telu"/>
+        <a:font typeface="Latha" script="Taml"/>
+        <a:font typeface="Estrangelo Edessa" script="Syrc"/>
+        <a:font typeface="Kalinga" script="Orya"/>
+        <a:font typeface="Kartika" script="Mlym"/>
+        <a:font typeface="DokChampa" script="Laoo"/>
+        <a:font typeface="Iskoola Pota" script="Sinh"/>
+        <a:font typeface="Mongolian Baiti" script="Mong"/>
+        <a:font typeface="Times New Roman" script="Viet"/>
+        <a:font typeface="Microsoft Uighur" script="Uigh"/>
+      </a:minorFont>
+    </a:fontScheme>
+    <a:fmtScheme name="Office">
+      <a:fillStyleLst>
+        <a:solidFill>
+          <a:schemeClr val="phClr"/>
+        </a:solidFill>
+        <a:gradFill rotWithShape="1">
+          <a:gsLst>
+            <a:gs pos="0">
+              <a:schemeClr val="phClr">
+                <a:tint val="50000"/>
+                <a:satMod val="300000"/>
+              </a:schemeClr>
+            </a:gs>
+            <a:gs pos="35000">
+              <a:schemeClr val="phClr">
+                <a:tint val="37000"/>
+                <a:satMod val="300000"/>
+              </a:schemeClr>
+            </a:gs>
+            <a:gs pos="100000">
+              <a:schemeClr val="phClr">
+                <a:tint val="15000"/>
+                <a:satMod val="350000"/>
+              </a:schemeClr>
+            </a:gs>
+          </a:gsLst>
+          <a:lin ang="16200000" scaled="1"/>
+        </a:gradFill>
+        <a:gradFill rotWithShape="1">
+          <a:gsLst>
+            <a:gs pos="0">
+              <a:schemeClr val="phClr">
+                <a:tint val="100000"/>
+                <a:shade val="100000"/>
+                <a:satMod val="130000"/>
+              </a:schemeClr>
+            </a:gs>
+            <a:gs pos="100000">
+              <a:schemeClr val="phClr">
+                <a:tint val="50000"/>
+                <a:shade val="100000"/>
+                <a:satMod val="350000"/>
+              </a:schemeClr>
+            </a:gs>
+          </a:gsLst>
+          <a:lin ang="16200000" scaled="0"/>
+        </a:gradFill>
+      </a:fillStyleLst>
+      <a:lnStyleLst>
+        <a:ln w="9525" algn="ctr" cap="flat" cmpd="sng">
+          <a:solidFill>
+            <a:schemeClr val="phClr">
+              <a:shade val="95000"/>
+              <a:satMod val="105000"/>
+            </a:schemeClr>
+          </a:solidFill>
+          <a:prstDash val="solid"/>
+        </a:ln>
+        <a:ln w="25400" algn="ctr" cap="flat" cmpd="sng">
+          <a:solidFill>
+            <a:schemeClr val="phClr"/>
+          </a:solidFill>
+          <a:prstDash val="solid"/>
+        </a:ln>
+        <a:ln w="38100" algn="ctr" cap="flat" cmpd="sng">
+          <a:solidFill>
+            <a:schemeClr val="phClr"/>
+          </a:solidFill>
+          <a:prstDash val="solid"/>
+        </a:ln>
+      </a:lnStyleLst>
+      <a:effectStyleLst>
+        <a:effectStyle>
+          <a:effectLst>
+            <a:outerShdw rotWithShape="0" dir="5400000" blurRad="40000" dist="20000">
+              <a:srgbClr val="000000">
+                <a:alpha val="38000"/>
+              </a:srgbClr>
+            </a:outerShdw>
+          </a:effectLst>
+        </a:effectStyle>
+        <a:effectStyle>
+          <a:effectLst>
+            <a:outerShdw rotWithShape="0" dir="5400000" blurRad="40000" dist="23000">
+              <a:srgbClr val="000000">
+                <a:alpha val="35000"/>
+              </a:srgbClr>
+            </a:outerShdw>
+          </a:effectLst>
+        </a:effectStyle>
+        <a:effectStyle>
+          <a:effectLst>
+            <a:outerShdw rotWithShape="0" dir="5400000" blurRad="40000" dist="23000">
+              <a:srgbClr val="000000">
+                <a:alpha val="35000"/>
+              </a:srgbClr>
+            </a:outerShdw>
+          </a:effectLst>
+          <a:scene3d>
+            <a:camera prst="orthographicFront">
+              <a:rot rev="0" lon="0" lat="0"/>
+            </a:camera>
+            <a:lightRig dir="t" rig="threePt">
+              <a:rot rev="1200000" lon="0" lat="0"/>
+            </a:lightRig>
+          </a:scene3d>
+          <a:sp3d>
+            <a:bevelT w="63500" h="25400"/>
+          </a:sp3d>
+        </a:effectStyle>
+      </a:effectStyleLst>
+      <a:bgFillStyleLst>
+        <a:solidFill>
+          <a:schemeClr val="phClr"/>
+        </a:solidFill>
+        <a:gradFill rotWithShape="1">
+          <a:gsLst>
+            <a:gs pos="0">
+              <a:schemeClr val="phClr">
+                <a:tint val="40000"/>
+                <a:satMod val="350000"/>
+              </a:schemeClr>
+            </a:gs>
+            <a:gs pos="40000">
+              <a:schemeClr val="phClr">
+                <a:tint val="45000"/>
+                <a:shade val="99000"/>
+                <a:satMod val="350000"/>
+              </a:schemeClr>
+            </a:gs>
+            <a:gs pos="100000">
+              <a:schemeClr val="phClr">
+                <a:shade val="20000"/>
+                <a:satMod val="255000"/>
+              </a:schemeClr>
+            </a:gs>
+          </a:gsLst>
+          <a:path path="circle">
+            <a:fillToRect t="-80000" b="180000" r="50000" l="50000"/>
+          </a:path>
+        </a:gradFill>
+        <a:gradFill rotWithShape="1">
+          <a:gsLst>
+            <a:gs pos="0">
+              <a:schemeClr val="phClr">
+                <a:tint val="80000"/>
+                <a:satMod val="300000"/>
+              </a:schemeClr>
+            </a:gs>
+            <a:gs pos="100000">
+              <a:schemeClr val="phClr">
+                <a:shade val="30000"/>
+                <a:satMod val="200000"/>
+              </a:schemeClr>
+            </a:gs>
+          </a:gsLst>
+          <a:path path="circle">
+            <a:fillToRect t="50000" b="50000" r="50000" l="50000"/>
+          </a:path>
+        </a:gradFill>
+      </a:bgFillStyleLst>
+    </a:fmtScheme>
+  </a:themeElements>
+</a:theme>
 </file>